--- a/website/public/files/call-for-papers-xaip-2021.pptx
+++ b/website/public/files/call-for-papers-xaip-2021.pptx
@@ -104,6 +104,11 @@
       </a:defRPr>
     </a:lvl9pPr>
   </p:defaultTextStyle>
+  <p:extLst>
+    <p:ext uri="{EFAFB233-063F-42B5-8137-9DF3F51BA10A}">
+      <p15:sldGuideLst xmlns:p15="http://schemas.microsoft.com/office/powerpoint/2012/main"/>
+    </p:ext>
+  </p:extLst>
 </p:presentation>
 </file>
 
@@ -3064,7 +3069,7 @@
         </p:nvSpPr>
         <p:spPr>
           <a:xfrm>
-            <a:off x="1769220" y="1781221"/>
+            <a:off x="1769220" y="1785079"/>
             <a:ext cx="705038" cy="215153"/>
           </a:xfrm>
           <a:prstGeom prst="rect">
@@ -3387,7 +3392,7 @@
         </p:nvSpPr>
         <p:spPr>
           <a:xfrm>
-            <a:off x="1695261" y="1745314"/>
+            <a:off x="1695261" y="1749172"/>
             <a:ext cx="1256368" cy="261610"/>
           </a:xfrm>
           <a:prstGeom prst="rect">
@@ -3434,7 +3439,7 @@
         </p:nvSpPr>
         <p:spPr>
           <a:xfrm>
-            <a:off x="1769220" y="1792363"/>
+            <a:off x="1769220" y="1796221"/>
             <a:ext cx="1000874" cy="167356"/>
           </a:xfrm>
           <a:prstGeom prst="rect">

--- a/website/public/files/call-for-papers-xaip-2021.pptx
+++ b/website/public/files/call-for-papers-xaip-2021.pptx
@@ -243,7 +243,7 @@
           <a:p>
             <a:fld id="{12D66C06-2226-6340-8780-368BB56BF54B}" type="datetimeFigureOut">
               <a:rPr lang="en-US" smtClean="0"/>
-              <a:t>1/11/21</a:t>
+              <a:t>1/22/21</a:t>
             </a:fld>
             <a:endParaRPr lang="en-US"/>
           </a:p>
@@ -413,7 +413,7 @@
           <a:p>
             <a:fld id="{12D66C06-2226-6340-8780-368BB56BF54B}" type="datetimeFigureOut">
               <a:rPr lang="en-US" smtClean="0"/>
-              <a:t>1/11/21</a:t>
+              <a:t>1/22/21</a:t>
             </a:fld>
             <a:endParaRPr lang="en-US"/>
           </a:p>
@@ -593,7 +593,7 @@
           <a:p>
             <a:fld id="{12D66C06-2226-6340-8780-368BB56BF54B}" type="datetimeFigureOut">
               <a:rPr lang="en-US" smtClean="0"/>
-              <a:t>1/11/21</a:t>
+              <a:t>1/22/21</a:t>
             </a:fld>
             <a:endParaRPr lang="en-US"/>
           </a:p>
@@ -763,7 +763,7 @@
           <a:p>
             <a:fld id="{12D66C06-2226-6340-8780-368BB56BF54B}" type="datetimeFigureOut">
               <a:rPr lang="en-US" smtClean="0"/>
-              <a:t>1/11/21</a:t>
+              <a:t>1/22/21</a:t>
             </a:fld>
             <a:endParaRPr lang="en-US"/>
           </a:p>
@@ -1007,7 +1007,7 @@
           <a:p>
             <a:fld id="{12D66C06-2226-6340-8780-368BB56BF54B}" type="datetimeFigureOut">
               <a:rPr lang="en-US" smtClean="0"/>
-              <a:t>1/11/21</a:t>
+              <a:t>1/22/21</a:t>
             </a:fld>
             <a:endParaRPr lang="en-US"/>
           </a:p>
@@ -1239,7 +1239,7 @@
           <a:p>
             <a:fld id="{12D66C06-2226-6340-8780-368BB56BF54B}" type="datetimeFigureOut">
               <a:rPr lang="en-US" smtClean="0"/>
-              <a:t>1/11/21</a:t>
+              <a:t>1/22/21</a:t>
             </a:fld>
             <a:endParaRPr lang="en-US"/>
           </a:p>
@@ -1606,7 +1606,7 @@
           <a:p>
             <a:fld id="{12D66C06-2226-6340-8780-368BB56BF54B}" type="datetimeFigureOut">
               <a:rPr lang="en-US" smtClean="0"/>
-              <a:t>1/11/21</a:t>
+              <a:t>1/22/21</a:t>
             </a:fld>
             <a:endParaRPr lang="en-US"/>
           </a:p>
@@ -1724,7 +1724,7 @@
           <a:p>
             <a:fld id="{12D66C06-2226-6340-8780-368BB56BF54B}" type="datetimeFigureOut">
               <a:rPr lang="en-US" smtClean="0"/>
-              <a:t>1/11/21</a:t>
+              <a:t>1/22/21</a:t>
             </a:fld>
             <a:endParaRPr lang="en-US"/>
           </a:p>
@@ -1819,7 +1819,7 @@
           <a:p>
             <a:fld id="{12D66C06-2226-6340-8780-368BB56BF54B}" type="datetimeFigureOut">
               <a:rPr lang="en-US" smtClean="0"/>
-              <a:t>1/11/21</a:t>
+              <a:t>1/22/21</a:t>
             </a:fld>
             <a:endParaRPr lang="en-US"/>
           </a:p>
@@ -2096,7 +2096,7 @@
           <a:p>
             <a:fld id="{12D66C06-2226-6340-8780-368BB56BF54B}" type="datetimeFigureOut">
               <a:rPr lang="en-US" smtClean="0"/>
-              <a:t>1/11/21</a:t>
+              <a:t>1/22/21</a:t>
             </a:fld>
             <a:endParaRPr lang="en-US"/>
           </a:p>
@@ -2353,7 +2353,7 @@
           <a:p>
             <a:fld id="{12D66C06-2226-6340-8780-368BB56BF54B}" type="datetimeFigureOut">
               <a:rPr lang="en-US" smtClean="0"/>
-              <a:t>1/11/21</a:t>
+              <a:t>1/22/21</a:t>
             </a:fld>
             <a:endParaRPr lang="en-US"/>
           </a:p>
@@ -2566,7 +2566,7 @@
           <a:p>
             <a:fld id="{12D66C06-2226-6340-8780-368BB56BF54B}" type="datetimeFigureOut">
               <a:rPr lang="en-US" smtClean="0"/>
-              <a:t>1/11/21</a:t>
+              <a:t>1/22/21</a:t>
             </a:fld>
             <a:endParaRPr lang="en-US"/>
           </a:p>
@@ -3139,38 +3139,6 @@
       </p:pic>
       <p:pic>
         <p:nvPicPr>
-          <p:cNvPr id="17" name="Picture 16" descr="Graphical user interface, text, application, email&#10;&#10;Description automatically generated">
-            <a:extLst>
-              <a:ext uri="{FF2B5EF4-FFF2-40B4-BE49-F238E27FC236}">
-                <a16:creationId xmlns:a16="http://schemas.microsoft.com/office/drawing/2014/main" id="{BFE4F2A2-45E7-A84E-A4A7-BBFC92DAB60E}"/>
-              </a:ext>
-            </a:extLst>
-          </p:cNvPr>
-          <p:cNvPicPr>
-            <a:picLocks noChangeAspect="1"/>
-          </p:cNvPicPr>
-          <p:nvPr/>
-        </p:nvPicPr>
-        <p:blipFill rotWithShape="1">
-          <a:blip r:embed="rId5"/>
-          <a:srcRect l="-4865" r="-5239" b="-6293"/>
-          <a:stretch/>
-        </p:blipFill>
-        <p:spPr>
-          <a:xfrm>
-            <a:off x="0" y="6827276"/>
-            <a:ext cx="6858000" cy="2316724"/>
-          </a:xfrm>
-          <a:prstGeom prst="rect">
-            <a:avLst/>
-          </a:prstGeom>
-          <a:solidFill>
-            <a:srgbClr val="F4F4F4"/>
-          </a:solidFill>
-        </p:spPr>
-      </p:pic>
-      <p:pic>
-        <p:nvPicPr>
           <p:cNvPr id="19" name="Picture 18" descr="Graphical user interface, text, application, chat or text message&#10;&#10;Description automatically generated">
             <a:extLst>
               <a:ext uri="{FF2B5EF4-FFF2-40B4-BE49-F238E27FC236}">
@@ -3184,7 +3152,7 @@
           <p:nvPr/>
         </p:nvPicPr>
         <p:blipFill>
-          <a:blip r:embed="rId6"/>
+          <a:blip r:embed="rId5"/>
           <a:stretch>
             <a:fillRect/>
           </a:stretch>
@@ -3300,7 +3268,7 @@
       <p:sp>
         <p:nvSpPr>
           <p:cNvPr id="22" name="Rectangle 21">
-            <a:hlinkClick r:id="rId7"/>
+            <a:hlinkClick r:id="rId6"/>
             <a:extLst>
               <a:ext uri="{FF2B5EF4-FFF2-40B4-BE49-F238E27FC236}">
                 <a16:creationId xmlns:a16="http://schemas.microsoft.com/office/drawing/2014/main" id="{2C36CBC3-0331-7044-A2FE-D2948CCA7FA3}"/>
@@ -3363,7 +3331,7 @@
           <p:nvPr/>
         </p:nvPicPr>
         <p:blipFill>
-          <a:blip r:embed="rId8"/>
+          <a:blip r:embed="rId7"/>
           <a:stretch>
             <a:fillRect/>
           </a:stretch>
@@ -3427,7 +3395,7 @@
       <p:sp>
         <p:nvSpPr>
           <p:cNvPr id="28" name="Rectangle 27">
-            <a:hlinkClick r:id="rId9"/>
+            <a:hlinkClick r:id="rId8"/>
             <a:extLst>
               <a:ext uri="{FF2B5EF4-FFF2-40B4-BE49-F238E27FC236}">
                 <a16:creationId xmlns:a16="http://schemas.microsoft.com/office/drawing/2014/main" id="{4D9E906F-88B5-BC4C-81FC-3F62F6B9BA1F}"/>
@@ -3478,7 +3446,7 @@
       <p:sp>
         <p:nvSpPr>
           <p:cNvPr id="30" name="Rectangle 29">
-            <a:hlinkClick r:id="rId10"/>
+            <a:hlinkClick r:id="rId9"/>
             <a:extLst>
               <a:ext uri="{FF2B5EF4-FFF2-40B4-BE49-F238E27FC236}">
                 <a16:creationId xmlns:a16="http://schemas.microsoft.com/office/drawing/2014/main" id="{F0A153DE-D9A1-2343-82ED-9065670676D3}"/>
@@ -3526,6 +3494,38 @@
           </a:p>
         </p:txBody>
       </p:sp>
+      <p:pic>
+        <p:nvPicPr>
+          <p:cNvPr id="3" name="Picture 2" descr="Graphical user interface, text, application&#10;&#10;Description automatically generated">
+            <a:extLst>
+              <a:ext uri="{FF2B5EF4-FFF2-40B4-BE49-F238E27FC236}">
+                <a16:creationId xmlns:a16="http://schemas.microsoft.com/office/drawing/2014/main" id="{64FA1E8A-07B2-F143-94D9-C674B47502A3}"/>
+              </a:ext>
+            </a:extLst>
+          </p:cNvPr>
+          <p:cNvPicPr>
+            <a:picLocks noChangeAspect="1"/>
+          </p:cNvPicPr>
+          <p:nvPr/>
+        </p:nvPicPr>
+        <p:blipFill rotWithShape="1">
+          <a:blip r:embed="rId10"/>
+          <a:srcRect l="-1110" t="-16081" b="-16954"/>
+          <a:stretch/>
+        </p:blipFill>
+        <p:spPr>
+          <a:xfrm>
+            <a:off x="0" y="6896219"/>
+            <a:ext cx="6858000" cy="2247781"/>
+          </a:xfrm>
+          <a:prstGeom prst="rect">
+            <a:avLst/>
+          </a:prstGeom>
+          <a:solidFill>
+            <a:srgbClr val="F4F4F4"/>
+          </a:solidFill>
+        </p:spPr>
+      </p:pic>
     </p:spTree>
     <p:extLst>
       <p:ext uri="{BB962C8B-B14F-4D97-AF65-F5344CB8AC3E}">

--- a/website/public/files/call-for-papers-xaip-2021.pptx
+++ b/website/public/files/call-for-papers-xaip-2021.pptx
@@ -2981,10 +2981,10 @@
       </p:grpSpPr>
       <p:pic>
         <p:nvPicPr>
-          <p:cNvPr id="5" name="Picture 4" descr="Graphical user interface, text, application&#10;&#10;Description automatically generated">
+          <p:cNvPr id="4" name="Picture 3" descr="Graphical user interface, text&#10;&#10;Description automatically generated">
             <a:extLst>
               <a:ext uri="{FF2B5EF4-FFF2-40B4-BE49-F238E27FC236}">
-                <a16:creationId xmlns:a16="http://schemas.microsoft.com/office/drawing/2014/main" id="{D76B0EAA-5DC2-4A44-995A-1B8CAEFBF310}"/>
+                <a16:creationId xmlns:a16="http://schemas.microsoft.com/office/drawing/2014/main" id="{C45FC165-08F0-3640-8208-7EF399FEF124}"/>
               </a:ext>
             </a:extLst>
           </p:cNvPr>
@@ -3001,8 +3001,8 @@
         </p:blipFill>
         <p:spPr>
           <a:xfrm>
-            <a:off x="213602" y="119718"/>
-            <a:ext cx="6407435" cy="1988781"/>
+            <a:off x="195430" y="195456"/>
+            <a:ext cx="6436098" cy="1914682"/>
           </a:xfrm>
           <a:prstGeom prst="rect">
             <a:avLst/>
